--- a/bigdata9 PDF_scraping.pptx
+++ b/bigdata9 PDF_scraping.pptx
@@ -2816,7 +2816,7 @@
           <a:p>
             <a:fld id="{6D245A08-9191-4FD8-9E5A-898811D54A0E}" type="datetimeFigureOut">
               <a:rPr kumimoji="1" lang="ja-JP" altLang="en-US" smtClean="0"/>
-              <a:t>2023/1/20</a:t>
+              <a:t>2025/5/24</a:t>
             </a:fld>
             <a:endParaRPr kumimoji="1" lang="ja-JP" altLang="en-US"/>
           </a:p>
@@ -3246,7 +3246,7 @@
           <a:p>
             <a:fld id="{D7E444EF-F0DB-4277-B252-8DC64F2B7F66}" type="datetimeFigureOut">
               <a:rPr kumimoji="1" lang="ja-JP" altLang="en-US" smtClean="0"/>
-              <a:t>2023/1/20</a:t>
+              <a:t>2025/5/24</a:t>
             </a:fld>
             <a:endParaRPr kumimoji="1" lang="ja-JP" altLang="en-US"/>
           </a:p>
@@ -3448,7 +3448,7 @@
           <a:p>
             <a:fld id="{D7E444EF-F0DB-4277-B252-8DC64F2B7F66}" type="datetimeFigureOut">
               <a:rPr kumimoji="1" lang="ja-JP" altLang="en-US" smtClean="0"/>
-              <a:t>2023/1/20</a:t>
+              <a:t>2025/5/24</a:t>
             </a:fld>
             <a:endParaRPr kumimoji="1" lang="ja-JP" altLang="en-US"/>
           </a:p>
@@ -3660,7 +3660,7 @@
           <a:p>
             <a:fld id="{D7E444EF-F0DB-4277-B252-8DC64F2B7F66}" type="datetimeFigureOut">
               <a:rPr kumimoji="1" lang="ja-JP" altLang="en-US" smtClean="0"/>
-              <a:t>2023/1/20</a:t>
+              <a:t>2025/5/24</a:t>
             </a:fld>
             <a:endParaRPr kumimoji="1" lang="ja-JP" altLang="en-US"/>
           </a:p>
@@ -3862,7 +3862,7 @@
           <a:p>
             <a:fld id="{D7E444EF-F0DB-4277-B252-8DC64F2B7F66}" type="datetimeFigureOut">
               <a:rPr kumimoji="1" lang="ja-JP" altLang="en-US" smtClean="0"/>
-              <a:t>2023/1/20</a:t>
+              <a:t>2025/5/24</a:t>
             </a:fld>
             <a:endParaRPr kumimoji="1" lang="ja-JP" altLang="en-US"/>
           </a:p>
@@ -4108,7 +4108,7 @@
           <a:p>
             <a:fld id="{D7E444EF-F0DB-4277-B252-8DC64F2B7F66}" type="datetimeFigureOut">
               <a:rPr kumimoji="1" lang="ja-JP" altLang="en-US" smtClean="0"/>
-              <a:t>2023/1/20</a:t>
+              <a:t>2025/5/24</a:t>
             </a:fld>
             <a:endParaRPr kumimoji="1" lang="ja-JP" altLang="en-US"/>
           </a:p>
@@ -4404,7 +4404,7 @@
           <a:p>
             <a:fld id="{D7E444EF-F0DB-4277-B252-8DC64F2B7F66}" type="datetimeFigureOut">
               <a:rPr kumimoji="1" lang="ja-JP" altLang="en-US" smtClean="0"/>
-              <a:t>2023/1/20</a:t>
+              <a:t>2025/5/24</a:t>
             </a:fld>
             <a:endParaRPr kumimoji="1" lang="ja-JP" altLang="en-US"/>
           </a:p>
@@ -4835,7 +4835,7 @@
           <a:p>
             <a:fld id="{D7E444EF-F0DB-4277-B252-8DC64F2B7F66}" type="datetimeFigureOut">
               <a:rPr kumimoji="1" lang="ja-JP" altLang="en-US" smtClean="0"/>
-              <a:t>2023/1/20</a:t>
+              <a:t>2025/5/24</a:t>
             </a:fld>
             <a:endParaRPr kumimoji="1" lang="ja-JP" altLang="en-US"/>
           </a:p>
@@ -4953,7 +4953,7 @@
           <a:p>
             <a:fld id="{D7E444EF-F0DB-4277-B252-8DC64F2B7F66}" type="datetimeFigureOut">
               <a:rPr kumimoji="1" lang="ja-JP" altLang="en-US" smtClean="0"/>
-              <a:t>2023/1/20</a:t>
+              <a:t>2025/5/24</a:t>
             </a:fld>
             <a:endParaRPr kumimoji="1" lang="ja-JP" altLang="en-US"/>
           </a:p>
@@ -5048,7 +5048,7 @@
           <a:p>
             <a:fld id="{D7E444EF-F0DB-4277-B252-8DC64F2B7F66}" type="datetimeFigureOut">
               <a:rPr kumimoji="1" lang="ja-JP" altLang="en-US" smtClean="0"/>
-              <a:t>2023/1/20</a:t>
+              <a:t>2025/5/24</a:t>
             </a:fld>
             <a:endParaRPr kumimoji="1" lang="ja-JP" altLang="en-US"/>
           </a:p>
@@ -5357,7 +5357,7 @@
           <a:p>
             <a:fld id="{D7E444EF-F0DB-4277-B252-8DC64F2B7F66}" type="datetimeFigureOut">
               <a:rPr kumimoji="1" lang="ja-JP" altLang="en-US" smtClean="0"/>
-              <a:t>2023/1/20</a:t>
+              <a:t>2025/5/24</a:t>
             </a:fld>
             <a:endParaRPr kumimoji="1" lang="ja-JP" altLang="en-US"/>
           </a:p>
@@ -5614,7 +5614,7 @@
           <a:p>
             <a:fld id="{D7E444EF-F0DB-4277-B252-8DC64F2B7F66}" type="datetimeFigureOut">
               <a:rPr kumimoji="1" lang="ja-JP" altLang="en-US" smtClean="0"/>
-              <a:t>2023/1/20</a:t>
+              <a:t>2025/5/24</a:t>
             </a:fld>
             <a:endParaRPr kumimoji="1" lang="ja-JP" altLang="en-US"/>
           </a:p>
@@ -5859,7 +5859,7 @@
           <a:p>
             <a:fld id="{D7E444EF-F0DB-4277-B252-8DC64F2B7F66}" type="datetimeFigureOut">
               <a:rPr kumimoji="1" lang="ja-JP" altLang="en-US" smtClean="0"/>
-              <a:t>2023/1/20</a:t>
+              <a:t>2025/5/24</a:t>
             </a:fld>
             <a:endParaRPr kumimoji="1" lang="ja-JP" altLang="en-US"/>
           </a:p>
@@ -6383,7 +6383,7 @@
         </p:nvSpPr>
         <p:spPr>
           <a:xfrm>
-            <a:off x="40389" y="195057"/>
+            <a:off x="98578" y="46104"/>
             <a:ext cx="5485797" cy="584775"/>
           </a:xfrm>
           <a:prstGeom prst="rect">
@@ -6520,8 +6520,8 @@
         </p:nvSpPr>
         <p:spPr>
           <a:xfrm>
-            <a:off x="6204467" y="232205"/>
-            <a:ext cx="1415772" cy="461665"/>
+            <a:off x="98578" y="488658"/>
+            <a:ext cx="8504572" cy="584775"/>
           </a:xfrm>
           <a:prstGeom prst="rect">
             <a:avLst/>
@@ -6536,12 +6536,24 @@
           <a:p>
             <a:pPr algn="l"/>
             <a:r>
-              <a:rPr kumimoji="1" lang="ja-JP" altLang="en-US" sz="2400" dirty="0">
-                <a:latin typeface="メイリオ" panose="020B0604030504040204" pitchFamily="50" charset="-128"/>
-                <a:ea typeface="メイリオ" panose="020B0604030504040204" pitchFamily="50" charset="-128"/>
-              </a:rPr>
-              <a:t>ノート３</a:t>
-            </a:r>
+              <a:rPr kumimoji="1" lang="en-US" altLang="ja-JP" sz="1600" dirty="0">
+                <a:latin typeface="メイリオ" panose="020B0604030504040204" pitchFamily="50" charset="-128"/>
+                <a:ea typeface="メイリオ" panose="020B0604030504040204" pitchFamily="50" charset="-128"/>
+                <a:hlinkClick r:id="rId3"/>
+              </a:rPr>
+              <a:t>https://github.com/ueharaLab/bigdata9-PDF-scraping/blob/main/page_object.md</a:t>
+            </a:r>
+            <a:endParaRPr kumimoji="1" lang="en-US" altLang="ja-JP" sz="1600" dirty="0">
+              <a:latin typeface="メイリオ" panose="020B0604030504040204" pitchFamily="50" charset="-128"/>
+              <a:ea typeface="メイリオ" panose="020B0604030504040204" pitchFamily="50" charset="-128"/>
+            </a:endParaRPr>
+          </a:p>
+          <a:p>
+            <a:pPr algn="l"/>
+            <a:endParaRPr kumimoji="1" lang="ja-JP" altLang="en-US" sz="1600" dirty="0">
+              <a:latin typeface="メイリオ" panose="020B0604030504040204" pitchFamily="50" charset="-128"/>
+              <a:ea typeface="メイリオ" panose="020B0604030504040204" pitchFamily="50" charset="-128"/>
+            </a:endParaRPr>
           </a:p>
         </p:txBody>
       </p:sp>
@@ -9547,7 +9559,7 @@
         </p:nvSpPr>
         <p:spPr>
           <a:xfrm>
-            <a:off x="227504" y="239372"/>
+            <a:off x="248876" y="127104"/>
             <a:ext cx="5737468" cy="584775"/>
           </a:xfrm>
           <a:prstGeom prst="rect">
@@ -9604,7 +9616,7 @@
         </p:nvSpPr>
         <p:spPr>
           <a:xfrm>
-            <a:off x="227504" y="689432"/>
+            <a:off x="227504" y="773435"/>
             <a:ext cx="11680565" cy="1569660"/>
           </a:xfrm>
           <a:prstGeom prst="rect">
@@ -9737,45 +9749,6 @@
               <a:latin typeface="メイリオ" panose="020B0604030504040204" pitchFamily="50" charset="-128"/>
               <a:ea typeface="メイリオ" panose="020B0604030504040204" pitchFamily="50" charset="-128"/>
             </a:endParaRPr>
-          </a:p>
-        </p:txBody>
-      </p:sp>
-      <p:sp>
-        <p:nvSpPr>
-          <p:cNvPr id="6" name="テキスト ボックス 5">
-            <a:extLst>
-              <a:ext uri="{FF2B5EF4-FFF2-40B4-BE49-F238E27FC236}">
-                <a16:creationId xmlns:a16="http://schemas.microsoft.com/office/drawing/2014/main" id="{A2E9D370-8F61-1DD3-ECB8-E44465F74D1D}"/>
-              </a:ext>
-            </a:extLst>
-          </p:cNvPr>
-          <p:cNvSpPr txBox="1"/>
-          <p:nvPr/>
-        </p:nvSpPr>
-        <p:spPr>
-          <a:xfrm>
-            <a:off x="6342541" y="300926"/>
-            <a:ext cx="1415772" cy="461665"/>
-          </a:xfrm>
-          <a:prstGeom prst="rect">
-            <a:avLst/>
-          </a:prstGeom>
-          <a:noFill/>
-        </p:spPr>
-        <p:txBody>
-          <a:bodyPr wrap="none" rtlCol="0">
-            <a:spAutoFit/>
-          </a:bodyPr>
-          <a:lstStyle/>
-          <a:p>
-            <a:pPr algn="l"/>
-            <a:r>
-              <a:rPr kumimoji="1" lang="ja-JP" altLang="en-US" sz="2400" dirty="0">
-                <a:latin typeface="メイリオ" panose="020B0604030504040204" pitchFamily="50" charset="-128"/>
-                <a:ea typeface="メイリオ" panose="020B0604030504040204" pitchFamily="50" charset="-128"/>
-              </a:rPr>
-              <a:t>ノート４</a:t>
-            </a:r>
           </a:p>
         </p:txBody>
       </p:sp>
@@ -10446,6 +10419,57 @@
               </a:rPr>
               <a:t>　　　　毎に取り出せるので、レイアウトがパターン化している辞典、図鑑などから特定のデータブロックを取り出せる</a:t>
             </a:r>
+          </a:p>
+        </p:txBody>
+      </p:sp>
+      <p:sp>
+        <p:nvSpPr>
+          <p:cNvPr id="2" name="テキスト ボックス 1">
+            <a:extLst>
+              <a:ext uri="{FF2B5EF4-FFF2-40B4-BE49-F238E27FC236}">
+                <a16:creationId xmlns:a16="http://schemas.microsoft.com/office/drawing/2014/main" id="{92EAC221-DEB3-0583-1A8C-F2127A63BE4F}"/>
+              </a:ext>
+            </a:extLst>
+          </p:cNvPr>
+          <p:cNvSpPr txBox="1"/>
+          <p:nvPr/>
+        </p:nvSpPr>
+        <p:spPr>
+          <a:xfrm>
+            <a:off x="293025" y="509611"/>
+            <a:ext cx="9279015" cy="646331"/>
+          </a:xfrm>
+          <a:prstGeom prst="rect">
+            <a:avLst/>
+          </a:prstGeom>
+          <a:noFill/>
+        </p:spPr>
+        <p:txBody>
+          <a:bodyPr wrap="none" rtlCol="0">
+            <a:spAutoFit/>
+          </a:bodyPr>
+          <a:lstStyle/>
+          <a:p>
+            <a:pPr algn="l"/>
+            <a:r>
+              <a:rPr kumimoji="1" lang="en-US" altLang="ja-JP" dirty="0">
+                <a:latin typeface="メイリオ" panose="020B0604030504040204" pitchFamily="50" charset="-128"/>
+                <a:ea typeface="メイリオ" panose="020B0604030504040204" pitchFamily="50" charset="-128"/>
+                <a:hlinkClick r:id="rId3"/>
+              </a:rPr>
+              <a:t>https://github.com/ueharaLab/bigdata9-PDF-scraping/blob/main/pdf_miner.md</a:t>
+            </a:r>
+            <a:endParaRPr kumimoji="1" lang="en-US" altLang="ja-JP" dirty="0">
+              <a:latin typeface="メイリオ" panose="020B0604030504040204" pitchFamily="50" charset="-128"/>
+              <a:ea typeface="メイリオ" panose="020B0604030504040204" pitchFamily="50" charset="-128"/>
+            </a:endParaRPr>
+          </a:p>
+          <a:p>
+            <a:pPr algn="l"/>
+            <a:endParaRPr kumimoji="1" lang="ja-JP" altLang="en-US" dirty="0">
+              <a:latin typeface="メイリオ" panose="020B0604030504040204" pitchFamily="50" charset="-128"/>
+              <a:ea typeface="メイリオ" panose="020B0604030504040204" pitchFamily="50" charset="-128"/>
+            </a:endParaRPr>
           </a:p>
         </p:txBody>
       </p:sp>
@@ -10988,8 +11012,8 @@
         </p:nvSpPr>
         <p:spPr>
           <a:xfrm>
-            <a:off x="298580" y="739551"/>
-            <a:ext cx="4698722" cy="584775"/>
+            <a:off x="381707" y="490377"/>
+            <a:ext cx="3057247" cy="584775"/>
           </a:xfrm>
           <a:prstGeom prst="rect">
             <a:avLst/>
@@ -11008,8 +11032,59 @@
                 <a:latin typeface="メイリオ" panose="020B0604030504040204" pitchFamily="50" charset="-128"/>
                 <a:ea typeface="メイリオ" panose="020B0604030504040204" pitchFamily="50" charset="-128"/>
               </a:rPr>
-              <a:t>コードの概要　ノート５</a:t>
-            </a:r>
+              <a:t>コードの概要　</a:t>
+            </a:r>
+          </a:p>
+        </p:txBody>
+      </p:sp>
+      <p:sp>
+        <p:nvSpPr>
+          <p:cNvPr id="11" name="テキスト ボックス 10">
+            <a:extLst>
+              <a:ext uri="{FF2B5EF4-FFF2-40B4-BE49-F238E27FC236}">
+                <a16:creationId xmlns:a16="http://schemas.microsoft.com/office/drawing/2014/main" id="{BD85CBF0-78F4-E35A-6115-6057CAFDCACD}"/>
+              </a:ext>
+            </a:extLst>
+          </p:cNvPr>
+          <p:cNvSpPr txBox="1"/>
+          <p:nvPr/>
+        </p:nvSpPr>
+        <p:spPr>
+          <a:xfrm>
+            <a:off x="381707" y="1075152"/>
+            <a:ext cx="10098662" cy="646331"/>
+          </a:xfrm>
+          <a:prstGeom prst="rect">
+            <a:avLst/>
+          </a:prstGeom>
+          <a:noFill/>
+        </p:spPr>
+        <p:txBody>
+          <a:bodyPr wrap="none" rtlCol="0">
+            <a:spAutoFit/>
+          </a:bodyPr>
+          <a:lstStyle/>
+          <a:p>
+            <a:pPr algn="l"/>
+            <a:r>
+              <a:rPr kumimoji="1" lang="en-US" altLang="ja-JP" dirty="0">
+                <a:latin typeface="メイリオ" panose="020B0604030504040204" pitchFamily="50" charset="-128"/>
+                <a:ea typeface="メイリオ" panose="020B0604030504040204" pitchFamily="50" charset="-128"/>
+                <a:hlinkClick r:id="rId4"/>
+              </a:rPr>
+              <a:t>https://github.com/ueharaLab/bigdata9-PDF-scraping/blob/main/pdf_miner_codes.md</a:t>
+            </a:r>
+            <a:endParaRPr kumimoji="1" lang="en-US" altLang="ja-JP" dirty="0">
+              <a:latin typeface="メイリオ" panose="020B0604030504040204" pitchFamily="50" charset="-128"/>
+              <a:ea typeface="メイリオ" panose="020B0604030504040204" pitchFamily="50" charset="-128"/>
+            </a:endParaRPr>
+          </a:p>
+          <a:p>
+            <a:pPr algn="l"/>
+            <a:endParaRPr kumimoji="1" lang="ja-JP" altLang="en-US" dirty="0">
+              <a:latin typeface="メイリオ" panose="020B0604030504040204" pitchFamily="50" charset="-128"/>
+              <a:ea typeface="メイリオ" panose="020B0604030504040204" pitchFamily="50" charset="-128"/>
+            </a:endParaRPr>
           </a:p>
         </p:txBody>
       </p:sp>
@@ -11117,7 +11192,7 @@
         </p:nvSpPr>
         <p:spPr>
           <a:xfrm>
-            <a:off x="559837" y="1009671"/>
+            <a:off x="559837" y="1118394"/>
             <a:ext cx="8400056" cy="1200329"/>
           </a:xfrm>
           <a:prstGeom prst="rect">
@@ -11201,45 +11276,6 @@
               <a:latin typeface="メイリオ" panose="020B0604030504040204" pitchFamily="50" charset="-128"/>
               <a:ea typeface="メイリオ" panose="020B0604030504040204" pitchFamily="50" charset="-128"/>
             </a:endParaRPr>
-          </a:p>
-        </p:txBody>
-      </p:sp>
-      <p:sp>
-        <p:nvSpPr>
-          <p:cNvPr id="2" name="テキスト ボックス 1">
-            <a:extLst>
-              <a:ext uri="{FF2B5EF4-FFF2-40B4-BE49-F238E27FC236}">
-                <a16:creationId xmlns:a16="http://schemas.microsoft.com/office/drawing/2014/main" id="{D79E7408-B7D7-393A-56F3-A5E3A2D6370F}"/>
-              </a:ext>
-            </a:extLst>
-          </p:cNvPr>
-          <p:cNvSpPr txBox="1"/>
-          <p:nvPr/>
-        </p:nvSpPr>
-        <p:spPr>
-          <a:xfrm>
-            <a:off x="5200650" y="471736"/>
-            <a:ext cx="1415772" cy="461665"/>
-          </a:xfrm>
-          <a:prstGeom prst="rect">
-            <a:avLst/>
-          </a:prstGeom>
-          <a:noFill/>
-        </p:spPr>
-        <p:txBody>
-          <a:bodyPr wrap="none" rtlCol="0">
-            <a:spAutoFit/>
-          </a:bodyPr>
-          <a:lstStyle/>
-          <a:p>
-            <a:pPr algn="l"/>
-            <a:r>
-              <a:rPr kumimoji="1" lang="ja-JP" altLang="en-US" sz="2400" dirty="0">
-                <a:latin typeface="メイリオ" panose="020B0604030504040204" pitchFamily="50" charset="-128"/>
-                <a:ea typeface="メイリオ" panose="020B0604030504040204" pitchFamily="50" charset="-128"/>
-              </a:rPr>
-              <a:t>ノート６</a:t>
-            </a:r>
           </a:p>
         </p:txBody>
       </p:sp>
@@ -11630,6 +11666,57 @@
           <a:p>
             <a:pPr algn="ctr"/>
             <a:endParaRPr kumimoji="1" lang="ja-JP" altLang="en-US"/>
+          </a:p>
+        </p:txBody>
+      </p:sp>
+      <p:sp>
+        <p:nvSpPr>
+          <p:cNvPr id="5" name="テキスト ボックス 4">
+            <a:extLst>
+              <a:ext uri="{FF2B5EF4-FFF2-40B4-BE49-F238E27FC236}">
+                <a16:creationId xmlns:a16="http://schemas.microsoft.com/office/drawing/2014/main" id="{7F68AA9D-BEDD-4EFC-3D3D-845B864482B6}"/>
+              </a:ext>
+            </a:extLst>
+          </p:cNvPr>
+          <p:cNvSpPr txBox="1"/>
+          <p:nvPr/>
+        </p:nvSpPr>
+        <p:spPr>
+          <a:xfrm>
+            <a:off x="559837" y="719278"/>
+            <a:ext cx="9000605" cy="646331"/>
+          </a:xfrm>
+          <a:prstGeom prst="rect">
+            <a:avLst/>
+          </a:prstGeom>
+          <a:noFill/>
+        </p:spPr>
+        <p:txBody>
+          <a:bodyPr wrap="none" rtlCol="0">
+            <a:spAutoFit/>
+          </a:bodyPr>
+          <a:lstStyle/>
+          <a:p>
+            <a:pPr algn="l"/>
+            <a:r>
+              <a:rPr kumimoji="1" lang="en-US" altLang="ja-JP" dirty="0">
+                <a:latin typeface="メイリオ" panose="020B0604030504040204" pitchFamily="50" charset="-128"/>
+                <a:ea typeface="メイリオ" panose="020B0604030504040204" pitchFamily="50" charset="-128"/>
+                <a:hlinkClick r:id="rId4"/>
+              </a:rPr>
+              <a:t>https://github.com/ueharaLab/bigdata9-PDF-scraping/blob/main/pdf2csv.md</a:t>
+            </a:r>
+            <a:endParaRPr kumimoji="1" lang="en-US" altLang="ja-JP" dirty="0">
+              <a:latin typeface="メイリオ" panose="020B0604030504040204" pitchFamily="50" charset="-128"/>
+              <a:ea typeface="メイリオ" panose="020B0604030504040204" pitchFamily="50" charset="-128"/>
+            </a:endParaRPr>
+          </a:p>
+          <a:p>
+            <a:pPr algn="l"/>
+            <a:endParaRPr kumimoji="1" lang="ja-JP" altLang="en-US" dirty="0">
+              <a:latin typeface="メイリオ" panose="020B0604030504040204" pitchFamily="50" charset="-128"/>
+              <a:ea typeface="メイリオ" panose="020B0604030504040204" pitchFamily="50" charset="-128"/>
+            </a:endParaRPr>
           </a:p>
         </p:txBody>
       </p:sp>
@@ -11723,7 +11810,7 @@
         </p:nvSpPr>
         <p:spPr>
           <a:xfrm>
-            <a:off x="499655" y="1014115"/>
+            <a:off x="489080" y="1596006"/>
             <a:ext cx="10950444" cy="2677656"/>
           </a:xfrm>
           <a:prstGeom prst="rect">
@@ -11862,45 +11949,6 @@
               <a:latin typeface="メイリオ" panose="020B0604030504040204" pitchFamily="50" charset="-128"/>
               <a:ea typeface="メイリオ" panose="020B0604030504040204" pitchFamily="50" charset="-128"/>
             </a:endParaRPr>
-          </a:p>
-        </p:txBody>
-      </p:sp>
-      <p:sp>
-        <p:nvSpPr>
-          <p:cNvPr id="4" name="テキスト ボックス 3">
-            <a:extLst>
-              <a:ext uri="{FF2B5EF4-FFF2-40B4-BE49-F238E27FC236}">
-                <a16:creationId xmlns:a16="http://schemas.microsoft.com/office/drawing/2014/main" id="{AAB038A2-9341-D5C0-06C1-B9FF7F605723}"/>
-              </a:ext>
-            </a:extLst>
-          </p:cNvPr>
-          <p:cNvSpPr txBox="1"/>
-          <p:nvPr/>
-        </p:nvSpPr>
-        <p:spPr>
-          <a:xfrm>
-            <a:off x="6715125" y="552450"/>
-            <a:ext cx="1415772" cy="461665"/>
-          </a:xfrm>
-          <a:prstGeom prst="rect">
-            <a:avLst/>
-          </a:prstGeom>
-          <a:noFill/>
-        </p:spPr>
-        <p:txBody>
-          <a:bodyPr wrap="none" rtlCol="0">
-            <a:spAutoFit/>
-          </a:bodyPr>
-          <a:lstStyle/>
-          <a:p>
-            <a:pPr algn="l"/>
-            <a:r>
-              <a:rPr kumimoji="1" lang="ja-JP" altLang="en-US" sz="2400" dirty="0">
-                <a:latin typeface="メイリオ" panose="020B0604030504040204" pitchFamily="50" charset="-128"/>
-                <a:ea typeface="メイリオ" panose="020B0604030504040204" pitchFamily="50" charset="-128"/>
-              </a:rPr>
-              <a:t>ノート７</a:t>
-            </a:r>
           </a:p>
         </p:txBody>
       </p:sp>
@@ -12717,7 +12765,7 @@
         </p:nvSpPr>
         <p:spPr>
           <a:xfrm>
-            <a:off x="419878" y="786910"/>
+            <a:off x="419878" y="897247"/>
             <a:ext cx="11075436" cy="1200329"/>
           </a:xfrm>
           <a:prstGeom prst="rect">
@@ -12768,45 +12816,6 @@
                 <a:ea typeface="メイリオ" panose="020B0604030504040204" pitchFamily="50" charset="-128"/>
               </a:rPr>
               <a:t>中の表データをエクセルにコピペするとうまくセル単位に分けて貼り付けられない</a:t>
-            </a:r>
-          </a:p>
-        </p:txBody>
-      </p:sp>
-      <p:sp>
-        <p:nvSpPr>
-          <p:cNvPr id="6" name="テキスト ボックス 5">
-            <a:extLst>
-              <a:ext uri="{FF2B5EF4-FFF2-40B4-BE49-F238E27FC236}">
-                <a16:creationId xmlns:a16="http://schemas.microsoft.com/office/drawing/2014/main" id="{94478638-8F7B-F616-135D-0738278C0F95}"/>
-              </a:ext>
-            </a:extLst>
-          </p:cNvPr>
-          <p:cNvSpPr txBox="1"/>
-          <p:nvPr/>
-        </p:nvSpPr>
-        <p:spPr>
-          <a:xfrm>
-            <a:off x="8248261" y="373224"/>
-            <a:ext cx="1415772" cy="461665"/>
-          </a:xfrm>
-          <a:prstGeom prst="rect">
-            <a:avLst/>
-          </a:prstGeom>
-          <a:noFill/>
-        </p:spPr>
-        <p:txBody>
-          <a:bodyPr wrap="none" rtlCol="0">
-            <a:spAutoFit/>
-          </a:bodyPr>
-          <a:lstStyle/>
-          <a:p>
-            <a:pPr algn="l"/>
-            <a:r>
-              <a:rPr kumimoji="1" lang="ja-JP" altLang="en-US" sz="2400" dirty="0">
-                <a:latin typeface="メイリオ" panose="020B0604030504040204" pitchFamily="50" charset="-128"/>
-                <a:ea typeface="メイリオ" panose="020B0604030504040204" pitchFamily="50" charset="-128"/>
-              </a:rPr>
-              <a:t>ノート１</a:t>
             </a:r>
           </a:p>
         </p:txBody>
@@ -12878,6 +12887,57 @@
               <a:t>flavor_encyclopedia.pdf p.18</a:t>
             </a:r>
             <a:endParaRPr kumimoji="1" lang="ja-JP" altLang="en-US" sz="2400" dirty="0">
+              <a:latin typeface="メイリオ" panose="020B0604030504040204" pitchFamily="50" charset="-128"/>
+              <a:ea typeface="メイリオ" panose="020B0604030504040204" pitchFamily="50" charset="-128"/>
+            </a:endParaRPr>
+          </a:p>
+        </p:txBody>
+      </p:sp>
+      <p:sp>
+        <p:nvSpPr>
+          <p:cNvPr id="4" name="テキスト ボックス 3">
+            <a:extLst>
+              <a:ext uri="{FF2B5EF4-FFF2-40B4-BE49-F238E27FC236}">
+                <a16:creationId xmlns:a16="http://schemas.microsoft.com/office/drawing/2014/main" id="{9D0F9B34-FE06-BF23-2956-9710B768BAC7}"/>
+              </a:ext>
+            </a:extLst>
+          </p:cNvPr>
+          <p:cNvSpPr txBox="1"/>
+          <p:nvPr/>
+        </p:nvSpPr>
+        <p:spPr>
+          <a:xfrm>
+            <a:off x="419878" y="574081"/>
+            <a:ext cx="9096786" cy="646331"/>
+          </a:xfrm>
+          <a:prstGeom prst="rect">
+            <a:avLst/>
+          </a:prstGeom>
+          <a:noFill/>
+        </p:spPr>
+        <p:txBody>
+          <a:bodyPr wrap="none" rtlCol="0">
+            <a:spAutoFit/>
+          </a:bodyPr>
+          <a:lstStyle/>
+          <a:p>
+            <a:pPr algn="l"/>
+            <a:r>
+              <a:rPr kumimoji="1" lang="en-US" altLang="ja-JP" dirty="0">
+                <a:latin typeface="メイリオ" panose="020B0604030504040204" pitchFamily="50" charset="-128"/>
+                <a:ea typeface="メイリオ" panose="020B0604030504040204" pitchFamily="50" charset="-128"/>
+                <a:hlinkClick r:id="rId3"/>
+              </a:rPr>
+              <a:t>https://github.com/ueharaLab/bigdata9-PDF-scraping/blob/main/pdf_trial.md</a:t>
+            </a:r>
+            <a:endParaRPr kumimoji="1" lang="en-US" altLang="ja-JP" dirty="0">
+              <a:latin typeface="メイリオ" panose="020B0604030504040204" pitchFamily="50" charset="-128"/>
+              <a:ea typeface="メイリオ" panose="020B0604030504040204" pitchFamily="50" charset="-128"/>
+            </a:endParaRPr>
+          </a:p>
+          <a:p>
+            <a:pPr algn="l"/>
+            <a:endParaRPr kumimoji="1" lang="ja-JP" altLang="en-US" dirty="0">
               <a:latin typeface="メイリオ" panose="020B0604030504040204" pitchFamily="50" charset="-128"/>
               <a:ea typeface="メイリオ" panose="020B0604030504040204" pitchFamily="50" charset="-128"/>
             </a:endParaRPr>
@@ -12975,7 +13035,7 @@
         <p:spPr>
           <a:xfrm>
             <a:off x="391886" y="508719"/>
-            <a:ext cx="6716903" cy="584775"/>
+            <a:ext cx="5075428" cy="584775"/>
           </a:xfrm>
           <a:prstGeom prst="rect">
             <a:avLst/>
@@ -13001,7 +13061,7 @@
                 <a:latin typeface="メイリオ" panose="020B0604030504040204" pitchFamily="50" charset="-128"/>
                 <a:ea typeface="メイリオ" panose="020B0604030504040204" pitchFamily="50" charset="-128"/>
               </a:rPr>
-              <a:t>をスクレイピング？　ノート１</a:t>
+              <a:t>をスクレイピング？　</a:t>
             </a:r>
           </a:p>
         </p:txBody>
@@ -13148,6 +13208,57 @@
           <a:p>
             <a:pPr algn="ctr"/>
             <a:endParaRPr kumimoji="1" lang="ja-JP" altLang="en-US"/>
+          </a:p>
+        </p:txBody>
+      </p:sp>
+      <p:sp>
+        <p:nvSpPr>
+          <p:cNvPr id="7" name="テキスト ボックス 6">
+            <a:extLst>
+              <a:ext uri="{FF2B5EF4-FFF2-40B4-BE49-F238E27FC236}">
+                <a16:creationId xmlns:a16="http://schemas.microsoft.com/office/drawing/2014/main" id="{422058E1-51FF-7715-CAC2-748401465F31}"/>
+              </a:ext>
+            </a:extLst>
+          </p:cNvPr>
+          <p:cNvSpPr txBox="1"/>
+          <p:nvPr/>
+        </p:nvSpPr>
+        <p:spPr>
+          <a:xfrm>
+            <a:off x="391886" y="1850414"/>
+            <a:ext cx="9096786" cy="646331"/>
+          </a:xfrm>
+          <a:prstGeom prst="rect">
+            <a:avLst/>
+          </a:prstGeom>
+          <a:noFill/>
+        </p:spPr>
+        <p:txBody>
+          <a:bodyPr wrap="none" rtlCol="0">
+            <a:spAutoFit/>
+          </a:bodyPr>
+          <a:lstStyle/>
+          <a:p>
+            <a:pPr algn="l"/>
+            <a:r>
+              <a:rPr kumimoji="1" lang="en-US" altLang="ja-JP" dirty="0">
+                <a:latin typeface="メイリオ" panose="020B0604030504040204" pitchFamily="50" charset="-128"/>
+                <a:ea typeface="メイリオ" panose="020B0604030504040204" pitchFamily="50" charset="-128"/>
+                <a:hlinkClick r:id="rId2"/>
+              </a:rPr>
+              <a:t>https://github.com/ueharaLab/bigdata9-PDF-scraping/blob/main/pdf_trial.md</a:t>
+            </a:r>
+            <a:endParaRPr kumimoji="1" lang="en-US" altLang="ja-JP" dirty="0">
+              <a:latin typeface="メイリオ" panose="020B0604030504040204" pitchFamily="50" charset="-128"/>
+              <a:ea typeface="メイリオ" panose="020B0604030504040204" pitchFamily="50" charset="-128"/>
+            </a:endParaRPr>
+          </a:p>
+          <a:p>
+            <a:pPr algn="l"/>
+            <a:endParaRPr kumimoji="1" lang="ja-JP" altLang="en-US" dirty="0">
+              <a:latin typeface="メイリオ" panose="020B0604030504040204" pitchFamily="50" charset="-128"/>
+              <a:ea typeface="メイリオ" panose="020B0604030504040204" pitchFamily="50" charset="-128"/>
+            </a:endParaRPr>
           </a:p>
         </p:txBody>
       </p:sp>
@@ -14629,7 +14740,7 @@
         </p:nvSpPr>
         <p:spPr>
           <a:xfrm>
-            <a:off x="718670" y="637496"/>
+            <a:off x="718670" y="1096569"/>
             <a:ext cx="10649069" cy="461665"/>
           </a:xfrm>
           <a:prstGeom prst="rect">
@@ -14650,45 +14761,6 @@
                 <a:ea typeface="メイリオ" panose="020B0604030504040204" pitchFamily="50" charset="-128"/>
               </a:rPr>
               <a:t>シンプルなソースをよくよく解読すると以下のような階層構造になっている</a:t>
-            </a:r>
-          </a:p>
-        </p:txBody>
-      </p:sp>
-      <p:sp>
-        <p:nvSpPr>
-          <p:cNvPr id="2" name="テキスト ボックス 1">
-            <a:extLst>
-              <a:ext uri="{FF2B5EF4-FFF2-40B4-BE49-F238E27FC236}">
-                <a16:creationId xmlns:a16="http://schemas.microsoft.com/office/drawing/2014/main" id="{6809DFC4-A785-3650-55B8-3C970A81AA25}"/>
-              </a:ext>
-            </a:extLst>
-          </p:cNvPr>
-          <p:cNvSpPr txBox="1"/>
-          <p:nvPr/>
-        </p:nvSpPr>
-        <p:spPr>
-          <a:xfrm>
-            <a:off x="5096890" y="232205"/>
-            <a:ext cx="1415772" cy="461665"/>
-          </a:xfrm>
-          <a:prstGeom prst="rect">
-            <a:avLst/>
-          </a:prstGeom>
-          <a:noFill/>
-        </p:spPr>
-        <p:txBody>
-          <a:bodyPr wrap="none" rtlCol="0">
-            <a:spAutoFit/>
-          </a:bodyPr>
-          <a:lstStyle/>
-          <a:p>
-            <a:pPr algn="l"/>
-            <a:r>
-              <a:rPr kumimoji="1" lang="ja-JP" altLang="en-US" sz="2400" dirty="0">
-                <a:latin typeface="メイリオ" panose="020B0604030504040204" pitchFamily="50" charset="-128"/>
-                <a:ea typeface="メイリオ" panose="020B0604030504040204" pitchFamily="50" charset="-128"/>
-              </a:rPr>
-              <a:t>ノート２</a:t>
             </a:r>
           </a:p>
         </p:txBody>
@@ -14898,6 +14970,57 @@
           <a:p>
             <a:pPr algn="ctr"/>
             <a:endParaRPr kumimoji="1" lang="ja-JP" altLang="en-US"/>
+          </a:p>
+        </p:txBody>
+      </p:sp>
+      <p:sp>
+        <p:nvSpPr>
+          <p:cNvPr id="3" name="テキスト ボックス 2">
+            <a:extLst>
+              <a:ext uri="{FF2B5EF4-FFF2-40B4-BE49-F238E27FC236}">
+                <a16:creationId xmlns:a16="http://schemas.microsoft.com/office/drawing/2014/main" id="{B185F210-D6BC-9A06-1B9F-817B4C4975B7}"/>
+              </a:ext>
+            </a:extLst>
+          </p:cNvPr>
+          <p:cNvSpPr txBox="1"/>
+          <p:nvPr/>
+        </p:nvSpPr>
+        <p:spPr>
+          <a:xfrm>
+            <a:off x="777608" y="681071"/>
+            <a:ext cx="9677073" cy="646331"/>
+          </a:xfrm>
+          <a:prstGeom prst="rect">
+            <a:avLst/>
+          </a:prstGeom>
+          <a:noFill/>
+        </p:spPr>
+        <p:txBody>
+          <a:bodyPr wrap="none" rtlCol="0">
+            <a:spAutoFit/>
+          </a:bodyPr>
+          <a:lstStyle/>
+          <a:p>
+            <a:pPr algn="l"/>
+            <a:r>
+              <a:rPr kumimoji="1" lang="en-US" altLang="ja-JP" dirty="0">
+                <a:latin typeface="メイリオ" panose="020B0604030504040204" pitchFamily="50" charset="-128"/>
+                <a:ea typeface="メイリオ" panose="020B0604030504040204" pitchFamily="50" charset="-128"/>
+                <a:hlinkClick r:id="rId3"/>
+              </a:rPr>
+              <a:t>https://github.com/ueharaLab/bigdata9-PDF-scraping/blob/main/pdf_structure.md</a:t>
+            </a:r>
+            <a:endParaRPr kumimoji="1" lang="en-US" altLang="ja-JP" dirty="0">
+              <a:latin typeface="メイリオ" panose="020B0604030504040204" pitchFamily="50" charset="-128"/>
+              <a:ea typeface="メイリオ" panose="020B0604030504040204" pitchFamily="50" charset="-128"/>
+            </a:endParaRPr>
+          </a:p>
+          <a:p>
+            <a:pPr algn="l"/>
+            <a:endParaRPr kumimoji="1" lang="ja-JP" altLang="en-US" dirty="0">
+              <a:latin typeface="メイリオ" panose="020B0604030504040204" pitchFamily="50" charset="-128"/>
+              <a:ea typeface="メイリオ" panose="020B0604030504040204" pitchFamily="50" charset="-128"/>
+            </a:endParaRPr>
           </a:p>
         </p:txBody>
       </p:sp>

--- a/bigdata9 PDF_scraping.pptx
+++ b/bigdata9 PDF_scraping.pptx
@@ -11952,6 +11952,57 @@
           </a:p>
         </p:txBody>
       </p:sp>
+      <p:sp>
+        <p:nvSpPr>
+          <p:cNvPr id="4" name="テキスト ボックス 3">
+            <a:extLst>
+              <a:ext uri="{FF2B5EF4-FFF2-40B4-BE49-F238E27FC236}">
+                <a16:creationId xmlns:a16="http://schemas.microsoft.com/office/drawing/2014/main" id="{B5779459-2950-7B64-52F7-AA4AF26E0539}"/>
+              </a:ext>
+            </a:extLst>
+          </p:cNvPr>
+          <p:cNvSpPr txBox="1"/>
+          <p:nvPr/>
+        </p:nvSpPr>
+        <p:spPr>
+          <a:xfrm>
+            <a:off x="489080" y="1030895"/>
+            <a:ext cx="9343648" cy="646331"/>
+          </a:xfrm>
+          <a:prstGeom prst="rect">
+            <a:avLst/>
+          </a:prstGeom>
+          <a:noFill/>
+        </p:spPr>
+        <p:txBody>
+          <a:bodyPr wrap="none" rtlCol="0">
+            <a:spAutoFit/>
+          </a:bodyPr>
+          <a:lstStyle/>
+          <a:p>
+            <a:pPr algn="l"/>
+            <a:r>
+              <a:rPr kumimoji="1" lang="en-US" altLang="ja-JP" dirty="0">
+                <a:latin typeface="メイリオ" panose="020B0604030504040204" pitchFamily="50" charset="-128"/>
+                <a:ea typeface="メイリオ" panose="020B0604030504040204" pitchFamily="50" charset="-128"/>
+                <a:hlinkClick r:id="rId2"/>
+              </a:rPr>
+              <a:t>https://github.com/ueharaLab/bigdata9-PDF-scraping/blob/main/tabula_gui.md</a:t>
+            </a:r>
+            <a:endParaRPr kumimoji="1" lang="en-US" altLang="ja-JP" dirty="0">
+              <a:latin typeface="メイリオ" panose="020B0604030504040204" pitchFamily="50" charset="-128"/>
+              <a:ea typeface="メイリオ" panose="020B0604030504040204" pitchFamily="50" charset="-128"/>
+            </a:endParaRPr>
+          </a:p>
+          <a:p>
+            <a:pPr algn="l"/>
+            <a:endParaRPr kumimoji="1" lang="ja-JP" altLang="en-US" dirty="0">
+              <a:latin typeface="メイリオ" panose="020B0604030504040204" pitchFamily="50" charset="-128"/>
+              <a:ea typeface="メイリオ" panose="020B0604030504040204" pitchFamily="50" charset="-128"/>
+            </a:endParaRPr>
+          </a:p>
+        </p:txBody>
+      </p:sp>
     </p:spTree>
     <p:extLst>
       <p:ext uri="{BB962C8B-B14F-4D97-AF65-F5344CB8AC3E}">
